--- a/资料/课题汇报（2019.3.24）-王建坤.pptx
+++ b/资料/课题汇报（2019.3.24）-王建坤.pptx
@@ -230,7 +230,7 @@
           <a:p>
             <a:fld id="{A4993278-BEDC-410D-8D8A-17342E535FDF}" type="datetimeFigureOut">
               <a:rPr lang="zh-CN" altLang="en-US" smtClean="0"/>
-              <a:t>2019/3/22</a:t>
+              <a:t>2019/5/9</a:t>
             </a:fld>
             <a:endParaRPr lang="zh-CN" altLang="en-US"/>
           </a:p>
@@ -532,7 +532,7 @@
           <a:p>
             <a:fld id="{43A07DD8-6722-4182-892A-E3676524296F}" type="datetimeFigureOut">
               <a:rPr lang="zh-CN" altLang="en-US" smtClean="0"/>
-              <a:t>2019/3/22</a:t>
+              <a:t>2019/5/9</a:t>
             </a:fld>
             <a:endParaRPr lang="zh-CN" altLang="en-US"/>
           </a:p>
@@ -1923,7 +1923,7 @@
           <a:p>
             <a:fld id="{43A07DD8-6722-4182-892A-E3676524296F}" type="datetimeFigureOut">
               <a:rPr lang="zh-CN" altLang="en-US" smtClean="0"/>
-              <a:t>2019/3/22</a:t>
+              <a:t>2019/5/9</a:t>
             </a:fld>
             <a:endParaRPr lang="zh-CN" altLang="en-US"/>
           </a:p>
@@ -2901,7 +2901,7 @@
           <a:p>
             <a:fld id="{43A07DD8-6722-4182-892A-E3676524296F}" type="datetimeFigureOut">
               <a:rPr lang="zh-CN" altLang="en-US" smtClean="0"/>
-              <a:t>2019/3/22</a:t>
+              <a:t>2019/5/9</a:t>
             </a:fld>
             <a:endParaRPr lang="zh-CN" altLang="en-US"/>
           </a:p>
@@ -3406,7 +3406,7 @@
           <a:p>
             <a:fld id="{43A07DD8-6722-4182-892A-E3676524296F}" type="datetimeFigureOut">
               <a:rPr lang="zh-CN" altLang="en-US" smtClean="0"/>
-              <a:t>2019/3/22</a:t>
+              <a:t>2019/5/9</a:t>
             </a:fld>
             <a:endParaRPr lang="zh-CN" altLang="en-US"/>
           </a:p>
@@ -3546,7 +3546,7 @@
           <a:p>
             <a:fld id="{43A07DD8-6722-4182-892A-E3676524296F}" type="datetimeFigureOut">
               <a:rPr lang="zh-CN" altLang="en-US" smtClean="0"/>
-              <a:t>2019/3/22</a:t>
+              <a:t>2019/5/9</a:t>
             </a:fld>
             <a:endParaRPr lang="zh-CN" altLang="en-US"/>
           </a:p>
@@ -5063,7 +5063,7 @@
           <a:p>
             <a:fld id="{43A07DD8-6722-4182-892A-E3676524296F}" type="datetimeFigureOut">
               <a:rPr lang="zh-CN" altLang="en-US" smtClean="0"/>
-              <a:t>2019/3/22</a:t>
+              <a:t>2019/5/9</a:t>
             </a:fld>
             <a:endParaRPr lang="zh-CN" altLang="en-US"/>
           </a:p>
@@ -10409,15 +10409,7 @@
                   <a:schemeClr val="tx1"/>
                 </a:solidFill>
               </a:rPr>
-              <a:t>检测</a:t>
-            </a:r>
-            <a:r>
-              <a:rPr lang="zh-CN" altLang="en-US" sz="2400" b="1" dirty="0" smtClean="0">
-                <a:solidFill>
-                  <a:schemeClr val="tx1"/>
-                </a:solidFill>
-              </a:rPr>
-              <a:t>系统设计</a:t>
+              <a:t>检测系统设计</a:t>
             </a:r>
             <a:endParaRPr lang="zh-CN" altLang="en-US" sz="2400" b="1" dirty="0">
               <a:solidFill>
@@ -13723,7 +13715,7 @@
             <p:cNvPr id="35" name="流程图: 过程 34">
               <a:extLst>
                 <a:ext uri="{FF2B5EF4-FFF2-40B4-BE49-F238E27FC236}">
-                  <a16:creationId xmlns:a16="http://schemas.microsoft.com/office/drawing/2014/main" xmlns="" id="{57AE6D65-AD68-4910-AD70-E3F9CD49580C}"/>
+                  <a16:creationId xmlns="" xmlns:a16="http://schemas.microsoft.com/office/drawing/2014/main" id="{57AE6D65-AD68-4910-AD70-E3F9CD49580C}"/>
                 </a:ext>
               </a:extLst>
             </p:cNvPr>
@@ -13794,7 +13786,7 @@
             <p:cNvPr id="36" name="流程图: 过程 35">
               <a:extLst>
                 <a:ext uri="{FF2B5EF4-FFF2-40B4-BE49-F238E27FC236}">
-                  <a16:creationId xmlns:a16="http://schemas.microsoft.com/office/drawing/2014/main" xmlns="" id="{DF5618C4-A100-4C16-AE5A-386CCEA74366}"/>
+                  <a16:creationId xmlns="" xmlns:a16="http://schemas.microsoft.com/office/drawing/2014/main" id="{DF5618C4-A100-4C16-AE5A-386CCEA74366}"/>
                 </a:ext>
               </a:extLst>
             </p:cNvPr>
@@ -13881,7 +13873,7 @@
               <p:cNvPr id="59" name="菱形 58">
                 <a:extLst>
                   <a:ext uri="{FF2B5EF4-FFF2-40B4-BE49-F238E27FC236}">
-                    <a16:creationId xmlns:a16="http://schemas.microsoft.com/office/drawing/2014/main" xmlns="" id="{12D7EFA7-B56E-49A1-8474-4DB33447F7E4}"/>
+                    <a16:creationId xmlns="" xmlns:a16="http://schemas.microsoft.com/office/drawing/2014/main" id="{12D7EFA7-B56E-49A1-8474-4DB33447F7E4}"/>
                   </a:ext>
                 </a:extLst>
               </p:cNvPr>
@@ -13949,7 +13941,7 @@
               <p:cNvPr id="60" name="文本框 19">
                 <a:extLst>
                   <a:ext uri="{FF2B5EF4-FFF2-40B4-BE49-F238E27FC236}">
-                    <a16:creationId xmlns:a16="http://schemas.microsoft.com/office/drawing/2014/main" xmlns="" id="{D3227F8A-32FC-49B8-8983-80F34F86E615}"/>
+                    <a16:creationId xmlns="" xmlns:a16="http://schemas.microsoft.com/office/drawing/2014/main" id="{D3227F8A-32FC-49B8-8983-80F34F86E615}"/>
                   </a:ext>
                 </a:extLst>
               </p:cNvPr>
@@ -14053,7 +14045,7 @@
               <p:cNvPr id="57" name="流程图: 数据 56">
                 <a:extLst>
                   <a:ext uri="{FF2B5EF4-FFF2-40B4-BE49-F238E27FC236}">
-                    <a16:creationId xmlns:a16="http://schemas.microsoft.com/office/drawing/2014/main" xmlns="" id="{7B982382-5BDD-430A-823F-1EF66C59D414}"/>
+                    <a16:creationId xmlns="" xmlns:a16="http://schemas.microsoft.com/office/drawing/2014/main" id="{7B982382-5BDD-430A-823F-1EF66C59D414}"/>
                   </a:ext>
                 </a:extLst>
               </p:cNvPr>
@@ -14115,7 +14107,7 @@
               <p:cNvPr id="58" name="文本框 27">
                 <a:extLst>
                   <a:ext uri="{FF2B5EF4-FFF2-40B4-BE49-F238E27FC236}">
-                    <a16:creationId xmlns:a16="http://schemas.microsoft.com/office/drawing/2014/main" xmlns="" id="{20A0F180-6CB0-4E70-B6E0-DB14C781003D}"/>
+                    <a16:creationId xmlns="" xmlns:a16="http://schemas.microsoft.com/office/drawing/2014/main" id="{20A0F180-6CB0-4E70-B6E0-DB14C781003D}"/>
                   </a:ext>
                 </a:extLst>
               </p:cNvPr>
@@ -14182,7 +14174,7 @@
             <p:cNvPr id="39" name="组合 38">
               <a:extLst>
                 <a:ext uri="{FF2B5EF4-FFF2-40B4-BE49-F238E27FC236}">
-                  <a16:creationId xmlns:a16="http://schemas.microsoft.com/office/drawing/2014/main" xmlns="" id="{31922F65-88BB-4A94-8732-FF89FB296A7F}"/>
+                  <a16:creationId xmlns="" xmlns:a16="http://schemas.microsoft.com/office/drawing/2014/main" id="{31922F65-88BB-4A94-8732-FF89FB296A7F}"/>
                 </a:ext>
               </a:extLst>
             </p:cNvPr>
@@ -14205,7 +14197,7 @@
               <p:cNvPr id="55" name="流程图: 终止 54">
                 <a:extLst>
                   <a:ext uri="{FF2B5EF4-FFF2-40B4-BE49-F238E27FC236}">
-                    <a16:creationId xmlns:a16="http://schemas.microsoft.com/office/drawing/2014/main" xmlns="" id="{821728A5-ACB2-4DFD-9EF9-C5718E8DB807}"/>
+                    <a16:creationId xmlns="" xmlns:a16="http://schemas.microsoft.com/office/drawing/2014/main" id="{821728A5-ACB2-4DFD-9EF9-C5718E8DB807}"/>
                   </a:ext>
                 </a:extLst>
               </p:cNvPr>
@@ -14267,7 +14259,7 @@
               <p:cNvPr id="56" name="文本框 40">
                 <a:extLst>
                   <a:ext uri="{FF2B5EF4-FFF2-40B4-BE49-F238E27FC236}">
-                    <a16:creationId xmlns:a16="http://schemas.microsoft.com/office/drawing/2014/main" xmlns="" id="{A1896994-9DBF-4384-9783-F23D3457056C}"/>
+                    <a16:creationId xmlns="" xmlns:a16="http://schemas.microsoft.com/office/drawing/2014/main" id="{A1896994-9DBF-4384-9783-F23D3457056C}"/>
                   </a:ext>
                 </a:extLst>
               </p:cNvPr>
@@ -14334,7 +14326,7 @@
             <p:cNvPr id="40" name="组合 39">
               <a:extLst>
                 <a:ext uri="{FF2B5EF4-FFF2-40B4-BE49-F238E27FC236}">
-                  <a16:creationId xmlns:a16="http://schemas.microsoft.com/office/drawing/2014/main" xmlns="" id="{98DAB4CF-B7E6-4A94-B020-148FE92C07ED}"/>
+                  <a16:creationId xmlns="" xmlns:a16="http://schemas.microsoft.com/office/drawing/2014/main" id="{98DAB4CF-B7E6-4A94-B020-148FE92C07ED}"/>
                 </a:ext>
               </a:extLst>
             </p:cNvPr>
@@ -14357,7 +14349,7 @@
               <p:cNvPr id="53" name="流程图: 终止 52">
                 <a:extLst>
                   <a:ext uri="{FF2B5EF4-FFF2-40B4-BE49-F238E27FC236}">
-                    <a16:creationId xmlns:a16="http://schemas.microsoft.com/office/drawing/2014/main" xmlns="" id="{7ADB7280-DA5D-4B25-A4BB-364BDC39C520}"/>
+                    <a16:creationId xmlns="" xmlns:a16="http://schemas.microsoft.com/office/drawing/2014/main" id="{7ADB7280-DA5D-4B25-A4BB-364BDC39C520}"/>
                   </a:ext>
                 </a:extLst>
               </p:cNvPr>
@@ -14419,7 +14411,7 @@
               <p:cNvPr id="54" name="文本框 3">
                 <a:extLst>
                   <a:ext uri="{FF2B5EF4-FFF2-40B4-BE49-F238E27FC236}">
-                    <a16:creationId xmlns:a16="http://schemas.microsoft.com/office/drawing/2014/main" xmlns="" id="{505B618B-DD3F-4711-B98B-A034FBC53F99}"/>
+                    <a16:creationId xmlns="" xmlns:a16="http://schemas.microsoft.com/office/drawing/2014/main" id="{505B618B-DD3F-4711-B98B-A034FBC53F99}"/>
                   </a:ext>
                 </a:extLst>
               </p:cNvPr>
@@ -14486,7 +14478,7 @@
             <p:cNvPr id="41" name="流程图: 过程 40">
               <a:extLst>
                 <a:ext uri="{FF2B5EF4-FFF2-40B4-BE49-F238E27FC236}">
-                  <a16:creationId xmlns:a16="http://schemas.microsoft.com/office/drawing/2014/main" xmlns="" id="{A2B7C6EB-B9C5-4815-9207-7ABAD5294750}"/>
+                  <a16:creationId xmlns="" xmlns:a16="http://schemas.microsoft.com/office/drawing/2014/main" id="{A2B7C6EB-B9C5-4815-9207-7ABAD5294750}"/>
                 </a:ext>
               </a:extLst>
             </p:cNvPr>
@@ -14557,7 +14549,7 @@
             <p:cNvPr id="42" name="直接箭头连接符 41">
               <a:extLst>
                 <a:ext uri="{FF2B5EF4-FFF2-40B4-BE49-F238E27FC236}">
-                  <a16:creationId xmlns:a16="http://schemas.microsoft.com/office/drawing/2014/main" xmlns="" id="{1D2F8702-EF1E-4E42-A00F-F506FB845B9C}"/>
+                  <a16:creationId xmlns="" xmlns:a16="http://schemas.microsoft.com/office/drawing/2014/main" id="{1D2F8702-EF1E-4E42-A00F-F506FB845B9C}"/>
                 </a:ext>
               </a:extLst>
             </p:cNvPr>
@@ -14599,7 +14591,7 @@
             <p:cNvPr id="43" name="直接箭头连接符 42">
               <a:extLst>
                 <a:ext uri="{FF2B5EF4-FFF2-40B4-BE49-F238E27FC236}">
-                  <a16:creationId xmlns:a16="http://schemas.microsoft.com/office/drawing/2014/main" xmlns="" id="{E62DF940-C9F0-44A1-9639-8EBE6D2B1770}"/>
+                  <a16:creationId xmlns="" xmlns:a16="http://schemas.microsoft.com/office/drawing/2014/main" id="{E62DF940-C9F0-44A1-9639-8EBE6D2B1770}"/>
                 </a:ext>
               </a:extLst>
             </p:cNvPr>
@@ -14641,7 +14633,7 @@
             <p:cNvPr id="44" name="直接箭头连接符 43">
               <a:extLst>
                 <a:ext uri="{FF2B5EF4-FFF2-40B4-BE49-F238E27FC236}">
-                  <a16:creationId xmlns:a16="http://schemas.microsoft.com/office/drawing/2014/main" xmlns="" id="{4CF753CC-E42A-4CD0-AA90-8267A1E33C0C}"/>
+                  <a16:creationId xmlns="" xmlns:a16="http://schemas.microsoft.com/office/drawing/2014/main" id="{4CF753CC-E42A-4CD0-AA90-8267A1E33C0C}"/>
                 </a:ext>
               </a:extLst>
             </p:cNvPr>
@@ -14683,7 +14675,7 @@
             <p:cNvPr id="45" name="直接箭头连接符 44">
               <a:extLst>
                 <a:ext uri="{FF2B5EF4-FFF2-40B4-BE49-F238E27FC236}">
-                  <a16:creationId xmlns:a16="http://schemas.microsoft.com/office/drawing/2014/main" xmlns="" id="{1F333818-AA2B-4765-B105-91E62155BB7E}"/>
+                  <a16:creationId xmlns="" xmlns:a16="http://schemas.microsoft.com/office/drawing/2014/main" id="{1F333818-AA2B-4765-B105-91E62155BB7E}"/>
                 </a:ext>
               </a:extLst>
             </p:cNvPr>
@@ -14725,7 +14717,7 @@
             <p:cNvPr id="46" name="直接箭头连接符 45">
               <a:extLst>
                 <a:ext uri="{FF2B5EF4-FFF2-40B4-BE49-F238E27FC236}">
-                  <a16:creationId xmlns:a16="http://schemas.microsoft.com/office/drawing/2014/main" xmlns="" id="{22BBC817-1511-4F14-8D7D-7887AAACA9D0}"/>
+                  <a16:creationId xmlns="" xmlns:a16="http://schemas.microsoft.com/office/drawing/2014/main" id="{22BBC817-1511-4F14-8D7D-7887AAACA9D0}"/>
                 </a:ext>
               </a:extLst>
             </p:cNvPr>
@@ -14767,7 +14759,7 @@
             <p:cNvPr id="47" name="直接连接符 46">
               <a:extLst>
                 <a:ext uri="{FF2B5EF4-FFF2-40B4-BE49-F238E27FC236}">
-                  <a16:creationId xmlns:a16="http://schemas.microsoft.com/office/drawing/2014/main" xmlns="" id="{CF8115CD-2AAA-4FBC-AA85-48B59DAB5C3B}"/>
+                  <a16:creationId xmlns="" xmlns:a16="http://schemas.microsoft.com/office/drawing/2014/main" id="{CF8115CD-2AAA-4FBC-AA85-48B59DAB5C3B}"/>
                 </a:ext>
               </a:extLst>
             </p:cNvPr>
@@ -14810,7 +14802,7 @@
             <p:cNvPr id="48" name="直接箭头连接符 47">
               <a:extLst>
                 <a:ext uri="{FF2B5EF4-FFF2-40B4-BE49-F238E27FC236}">
-                  <a16:creationId xmlns:a16="http://schemas.microsoft.com/office/drawing/2014/main" xmlns="" id="{581F2596-4DA6-4C27-A7A8-43381C6D5C09}"/>
+                  <a16:creationId xmlns="" xmlns:a16="http://schemas.microsoft.com/office/drawing/2014/main" id="{581F2596-4DA6-4C27-A7A8-43381C6D5C09}"/>
                 </a:ext>
               </a:extLst>
             </p:cNvPr>
@@ -14852,7 +14844,7 @@
             <p:cNvPr id="49" name="直接连接符 48">
               <a:extLst>
                 <a:ext uri="{FF2B5EF4-FFF2-40B4-BE49-F238E27FC236}">
-                  <a16:creationId xmlns:a16="http://schemas.microsoft.com/office/drawing/2014/main" xmlns="" id="{09D3F5CF-B59E-4D6D-B843-9B98FBC3A18A}"/>
+                  <a16:creationId xmlns="" xmlns:a16="http://schemas.microsoft.com/office/drawing/2014/main" id="{09D3F5CF-B59E-4D6D-B843-9B98FBC3A18A}"/>
                 </a:ext>
               </a:extLst>
             </p:cNvPr>
@@ -14893,7 +14885,7 @@
             <p:cNvPr id="50" name="直接箭头连接符 49">
               <a:extLst>
                 <a:ext uri="{FF2B5EF4-FFF2-40B4-BE49-F238E27FC236}">
-                  <a16:creationId xmlns:a16="http://schemas.microsoft.com/office/drawing/2014/main" xmlns="" id="{3E159BB4-B276-4D87-8FC2-CA2E517589CC}"/>
+                  <a16:creationId xmlns="" xmlns:a16="http://schemas.microsoft.com/office/drawing/2014/main" id="{3E159BB4-B276-4D87-8FC2-CA2E517589CC}"/>
                 </a:ext>
               </a:extLst>
             </p:cNvPr>
@@ -14935,7 +14927,7 @@
             <p:cNvPr id="51" name="流程图: 过程 50">
               <a:extLst>
                 <a:ext uri="{FF2B5EF4-FFF2-40B4-BE49-F238E27FC236}">
-                  <a16:creationId xmlns:a16="http://schemas.microsoft.com/office/drawing/2014/main" xmlns="" id="{237F87A4-C6BA-48FF-97F6-D55F2D8B0B31}"/>
+                  <a16:creationId xmlns="" xmlns:a16="http://schemas.microsoft.com/office/drawing/2014/main" id="{237F87A4-C6BA-48FF-97F6-D55F2D8B0B31}"/>
                 </a:ext>
               </a:extLst>
             </p:cNvPr>
@@ -15016,7 +15008,7 @@
             <p:cNvPr id="52" name="直接箭头连接符 51">
               <a:extLst>
                 <a:ext uri="{FF2B5EF4-FFF2-40B4-BE49-F238E27FC236}">
-                  <a16:creationId xmlns:a16="http://schemas.microsoft.com/office/drawing/2014/main" xmlns="" id="{22ECF350-4564-49DC-98CD-F8825053E871}"/>
+                  <a16:creationId xmlns="" xmlns:a16="http://schemas.microsoft.com/office/drawing/2014/main" id="{22ECF350-4564-49DC-98CD-F8825053E871}"/>
                 </a:ext>
               </a:extLst>
             </p:cNvPr>
@@ -15059,7 +15051,7 @@
           <p:cNvPr id="61" name="文本框 60">
             <a:extLst>
               <a:ext uri="{FF2B5EF4-FFF2-40B4-BE49-F238E27FC236}">
-                <a16:creationId xmlns:a16="http://schemas.microsoft.com/office/drawing/2014/main" xmlns="" id="{F21A5795-F290-4143-B443-28B09DE65C16}"/>
+                <a16:creationId xmlns="" xmlns:a16="http://schemas.microsoft.com/office/drawing/2014/main" id="{F21A5795-F290-4143-B443-28B09DE65C16}"/>
               </a:ext>
             </a:extLst>
           </p:cNvPr>
@@ -18698,7 +18690,6 @@
               <a:rPr lang="zh-CN" altLang="en-US" sz="3200" dirty="0"/>
               <a:t>神经网络</a:t>
             </a:r>
-            <a:endParaRPr lang="zh-CN" altLang="en-US" sz="3200" dirty="0"/>
           </a:p>
         </p:txBody>
       </p:sp>
@@ -18735,14 +18726,7 @@
                 <a:latin typeface="Times New Roman" panose="02020603050405020304" pitchFamily="18" charset="0"/>
                 <a:cs typeface="Times New Roman" panose="02020603050405020304" pitchFamily="18" charset="0"/>
               </a:rPr>
-              <a:t>两</a:t>
-            </a:r>
-            <a:r>
-              <a:rPr lang="zh-CN" altLang="en-US" sz="2200" kern="100" dirty="0">
-                <a:latin typeface="Times New Roman" panose="02020603050405020304" pitchFamily="18" charset="0"/>
-                <a:cs typeface="Times New Roman" panose="02020603050405020304" pitchFamily="18" charset="0"/>
-              </a:rPr>
-              <a:t>个相同的卷积神经网络并联，对图片进行编码</a:t>
+              <a:t>两个相同的卷积神经网络并联，对图片进行编码</a:t>
             </a:r>
             <a:endParaRPr lang="en-US" altLang="zh-CN" sz="2200" kern="100" dirty="0">
               <a:latin typeface="Times New Roman" panose="02020603050405020304" pitchFamily="18" charset="0"/>
@@ -20925,10 +20909,6 @@
               </a:rPr>
               <a:t>工控机</a:t>
             </a:r>
-            <a:endParaRPr lang="zh-CN" altLang="en-US" sz="2800" dirty="0">
-              <a:latin typeface="Times New Roman" panose="02020603050405020304" pitchFamily="18" charset="0"/>
-              <a:cs typeface="Times New Roman" panose="02020603050405020304" pitchFamily="18" charset="0"/>
-            </a:endParaRPr>
           </a:p>
         </p:txBody>
       </p:sp>
@@ -21017,10 +20997,6 @@
               </a:rPr>
               <a:t>电脑</a:t>
             </a:r>
-            <a:endParaRPr lang="zh-CN" altLang="en-US" sz="2800" dirty="0">
-              <a:latin typeface="Times New Roman" panose="02020603050405020304" pitchFamily="18" charset="0"/>
-              <a:cs typeface="Times New Roman" panose="02020603050405020304" pitchFamily="18" charset="0"/>
-            </a:endParaRPr>
           </a:p>
         </p:txBody>
       </p:sp>
@@ -21203,10 +21179,6 @@
               </a:rPr>
               <a:t>工业相机</a:t>
             </a:r>
-            <a:endParaRPr lang="zh-CN" altLang="en-US" sz="2800" dirty="0">
-              <a:latin typeface="Times New Roman" panose="02020603050405020304" pitchFamily="18" charset="0"/>
-              <a:cs typeface="Times New Roman" panose="02020603050405020304" pitchFamily="18" charset="0"/>
-            </a:endParaRPr>
           </a:p>
         </p:txBody>
       </p:sp>
